--- a/Lecture/Web Scraping 1/Web_Scraping_1_Lecture.pptx
+++ b/Lecture/Web Scraping 1/Web_Scraping_1_Lecture.pptx
@@ -3441,7 +3441,7 @@
               <a:pPr>
                 <a:defRPr/>
               </a:pPr>
-              <a:t>10/3/2018</a:t>
+              <a:t>7/5/2019</a:t>
             </a:fld>
             <a:endParaRPr lang="en-US" dirty="0"/>
           </a:p>
@@ -3653,7 +3653,7 @@
               <a:pPr>
                 <a:defRPr/>
               </a:pPr>
-              <a:t>10/3/2018</a:t>
+              <a:t>7/5/2019</a:t>
             </a:fld>
             <a:endParaRPr lang="en-US" dirty="0"/>
           </a:p>
@@ -4172,7 +4172,7 @@
               <a:pPr>
                 <a:defRPr/>
               </a:pPr>
-              <a:t>10/3/2018</a:t>
+              <a:t>7/5/2019</a:t>
             </a:fld>
             <a:endParaRPr lang="en-US" dirty="0"/>
           </a:p>
@@ -4362,7 +4362,7 @@
               <a:pPr>
                 <a:defRPr/>
               </a:pPr>
-              <a:t>10/3/2018</a:t>
+              <a:t>7/5/2019</a:t>
             </a:fld>
             <a:endParaRPr lang="en-US" dirty="0"/>
           </a:p>
@@ -4562,7 +4562,7 @@
               <a:pPr>
                 <a:defRPr/>
               </a:pPr>
-              <a:t>10/3/2018</a:t>
+              <a:t>7/5/2019</a:t>
             </a:fld>
             <a:endParaRPr lang="en-US" dirty="0"/>
           </a:p>
@@ -4830,7 +4830,7 @@
               <a:pPr>
                 <a:defRPr/>
               </a:pPr>
-              <a:t>10/3/2018</a:t>
+              <a:t>7/5/2019</a:t>
             </a:fld>
             <a:endParaRPr lang="en-US" dirty="0">
               <a:solidFill>
@@ -5044,7 +5044,7 @@
               <a:pPr>
                 <a:defRPr/>
               </a:pPr>
-              <a:t>10/3/2018</a:t>
+              <a:t>7/5/2019</a:t>
             </a:fld>
             <a:endParaRPr lang="en-US" dirty="0">
               <a:solidFill>
@@ -5335,7 +5335,7 @@
               <a:pPr>
                 <a:defRPr/>
               </a:pPr>
-              <a:t>10/3/2018</a:t>
+              <a:t>7/5/2019</a:t>
             </a:fld>
             <a:endParaRPr lang="en-US" dirty="0">
               <a:solidFill>
@@ -5666,7 +5666,7 @@
               <a:pPr>
                 <a:defRPr/>
               </a:pPr>
-              <a:t>10/3/2018</a:t>
+              <a:t>7/5/2019</a:t>
             </a:fld>
             <a:endParaRPr lang="en-US" dirty="0">
               <a:solidFill>
@@ -6131,7 +6131,7 @@
               <a:pPr>
                 <a:defRPr/>
               </a:pPr>
-              <a:t>10/3/2018</a:t>
+              <a:t>7/5/2019</a:t>
             </a:fld>
             <a:endParaRPr lang="en-US" dirty="0">
               <a:solidFill>
@@ -6294,7 +6294,7 @@
               <a:pPr>
                 <a:defRPr/>
               </a:pPr>
-              <a:t>10/3/2018</a:t>
+              <a:t>7/5/2019</a:t>
             </a:fld>
             <a:endParaRPr lang="en-US" dirty="0">
               <a:solidFill>
@@ -6435,7 +6435,7 @@
               <a:pPr>
                 <a:defRPr/>
               </a:pPr>
-              <a:t>10/3/2018</a:t>
+              <a:t>7/5/2019</a:t>
             </a:fld>
             <a:endParaRPr lang="en-US" dirty="0">
               <a:solidFill>
@@ -6756,7 +6756,7 @@
               <a:pPr>
                 <a:defRPr/>
               </a:pPr>
-              <a:t>10/3/2018</a:t>
+              <a:t>7/5/2019</a:t>
             </a:fld>
             <a:endParaRPr lang="en-US" dirty="0">
               <a:solidFill>
@@ -6964,7 +6964,7 @@
               <a:pPr>
                 <a:defRPr/>
               </a:pPr>
-              <a:t>10/3/2018</a:t>
+              <a:t>7/5/2019</a:t>
             </a:fld>
             <a:endParaRPr lang="en-US" dirty="0"/>
           </a:p>
@@ -7247,7 +7247,7 @@
               <a:pPr>
                 <a:defRPr/>
               </a:pPr>
-              <a:t>10/3/2018</a:t>
+              <a:t>7/5/2019</a:t>
             </a:fld>
             <a:endParaRPr lang="en-US" dirty="0">
               <a:solidFill>
@@ -7461,7 +7461,7 @@
               <a:pPr>
                 <a:defRPr/>
               </a:pPr>
-              <a:t>10/3/2018</a:t>
+              <a:t>7/5/2019</a:t>
             </a:fld>
             <a:endParaRPr lang="en-US" dirty="0">
               <a:solidFill>
@@ -7685,7 +7685,7 @@
               <a:pPr>
                 <a:defRPr/>
               </a:pPr>
-              <a:t>10/3/2018</a:t>
+              <a:t>7/5/2019</a:t>
             </a:fld>
             <a:endParaRPr lang="en-US" dirty="0">
               <a:solidFill>
@@ -7895,7 +7895,7 @@
               <a:pPr>
                 <a:defRPr/>
               </a:pPr>
-              <a:t>10/3/2018</a:t>
+              <a:t>7/5/2019</a:t>
             </a:fld>
             <a:endParaRPr lang="en-US" dirty="0">
               <a:solidFill>
@@ -8172,7 +8172,7 @@
               <a:pPr>
                 <a:defRPr/>
               </a:pPr>
-              <a:t>10/3/2018</a:t>
+              <a:t>7/5/2019</a:t>
             </a:fld>
             <a:endParaRPr lang="en-US" dirty="0"/>
           </a:p>
@@ -8479,7 +8479,7 @@
               <a:pPr>
                 <a:defRPr/>
               </a:pPr>
-              <a:t>10/3/2018</a:t>
+              <a:t>7/5/2019</a:t>
             </a:fld>
             <a:endParaRPr lang="en-US" dirty="0"/>
           </a:p>
@@ -8920,7 +8920,7 @@
               <a:pPr>
                 <a:defRPr/>
               </a:pPr>
-              <a:t>10/3/2018</a:t>
+              <a:t>7/5/2019</a:t>
             </a:fld>
             <a:endParaRPr lang="en-US" dirty="0"/>
           </a:p>
@@ -9059,7 +9059,7 @@
               <a:pPr>
                 <a:defRPr/>
               </a:pPr>
-              <a:t>10/3/2018</a:t>
+              <a:t>7/5/2019</a:t>
             </a:fld>
             <a:endParaRPr lang="en-US" dirty="0"/>
           </a:p>
@@ -9176,7 +9176,7 @@
               <a:pPr>
                 <a:defRPr/>
               </a:pPr>
-              <a:t>10/3/2018</a:t>
+              <a:t>7/5/2019</a:t>
             </a:fld>
             <a:endParaRPr lang="en-US" dirty="0"/>
           </a:p>
@@ -9473,7 +9473,7 @@
               <a:pPr>
                 <a:defRPr/>
               </a:pPr>
-              <a:t>10/3/2018</a:t>
+              <a:t>7/5/2019</a:t>
             </a:fld>
             <a:endParaRPr lang="en-US" dirty="0"/>
           </a:p>
@@ -9750,7 +9750,7 @@
               <a:pPr>
                 <a:defRPr/>
               </a:pPr>
-              <a:t>10/3/2018</a:t>
+              <a:t>7/5/2019</a:t>
             </a:fld>
             <a:endParaRPr lang="en-US" dirty="0"/>
           </a:p>
@@ -10007,7 +10007,7 @@
               <a:pPr>
                 <a:defRPr/>
               </a:pPr>
-              <a:t>10/3/2018</a:t>
+              <a:t>7/5/2019</a:t>
             </a:fld>
             <a:endParaRPr lang="en-US" dirty="0"/>
           </a:p>
@@ -10717,7 +10717,7 @@
               <a:pPr>
                 <a:defRPr/>
               </a:pPr>
-              <a:t>10/3/2018</a:t>
+              <a:t>7/5/2019</a:t>
             </a:fld>
             <a:endParaRPr lang="en-US" dirty="0">
               <a:solidFill>
@@ -12352,7 +12352,7 @@
         <p:spPr>
           <a:xfrm>
             <a:off x="3810000" y="621916"/>
-            <a:ext cx="5105400" cy="5262979"/>
+            <a:ext cx="5334000" cy="5262979"/>
           </a:xfrm>
           <a:prstGeom prst="rect">
             <a:avLst/>
@@ -12512,7 +12512,7 @@
                   <a:srgbClr val="404040"/>
                 </a:solidFill>
               </a:rPr>
-              <a:t>Additional Problem in Population Variable</a:t>
+              <a:t>All Numeric Variables are Character Because of First Row</a:t>
             </a:r>
           </a:p>
           <a:p>
@@ -18894,55 +18894,6 @@
           </a:p>
         </p:txBody>
       </p:sp>
-      <p:pic>
-        <p:nvPicPr>
-          <p:cNvPr id="3" name="Picture 2">
-            <a:extLst>
-              <a:ext uri="{FF2B5EF4-FFF2-40B4-BE49-F238E27FC236}">
-                <a16:creationId xmlns:a16="http://schemas.microsoft.com/office/drawing/2014/main" id="{A9A44A80-F5FF-4FD7-8483-6AE737F2E34A}"/>
-              </a:ext>
-            </a:extLst>
-          </p:cNvPr>
-          <p:cNvPicPr>
-            <a:picLocks noChangeAspect="1"/>
-          </p:cNvPicPr>
-          <p:nvPr/>
-        </p:nvPicPr>
-        <p:blipFill>
-          <a:blip r:embed="rId4"/>
-          <a:stretch>
-            <a:fillRect/>
-          </a:stretch>
-        </p:blipFill>
-        <p:spPr>
-          <a:xfrm>
-            <a:off x="3559242" y="1905000"/>
-            <a:ext cx="5509210" cy="3581693"/>
-          </a:xfrm>
-          <a:prstGeom prst="rect">
-            <a:avLst/>
-          </a:prstGeom>
-          <a:ln>
-            <a:solidFill>
-              <a:srgbClr val="404040"/>
-            </a:solidFill>
-          </a:ln>
-        </p:spPr>
-        <p:style>
-          <a:lnRef idx="2">
-            <a:schemeClr val="dk1"/>
-          </a:lnRef>
-          <a:fillRef idx="1">
-            <a:schemeClr val="lt1"/>
-          </a:fillRef>
-          <a:effectRef idx="0">
-            <a:schemeClr val="dk1"/>
-          </a:effectRef>
-          <a:fontRef idx="minor">
-            <a:schemeClr val="dk1"/>
-          </a:fontRef>
-        </p:style>
-      </p:pic>
       <p:sp>
         <p:nvSpPr>
           <p:cNvPr id="4" name="Arrow: Bent-Up 3">
@@ -18957,7 +18908,7 @@
         </p:nvSpPr>
         <p:spPr>
           <a:xfrm rot="5400000">
-            <a:off x="4531591" y="5587860"/>
+            <a:off x="4569691" y="4459624"/>
             <a:ext cx="656551" cy="651934"/>
           </a:xfrm>
           <a:prstGeom prst="bentUpArrow">
@@ -19009,7 +18960,7 @@
         </p:nvSpPr>
         <p:spPr>
           <a:xfrm>
-            <a:off x="5207892" y="5867400"/>
+            <a:off x="5187839" y="4749184"/>
             <a:ext cx="3505200" cy="461665"/>
           </a:xfrm>
           <a:prstGeom prst="rect">
@@ -19034,6 +18985,55 @@
           </a:p>
         </p:txBody>
       </p:sp>
+      <p:pic>
+        <p:nvPicPr>
+          <p:cNvPr id="7" name="Picture 6">
+            <a:extLst>
+              <a:ext uri="{FF2B5EF4-FFF2-40B4-BE49-F238E27FC236}">
+                <a16:creationId xmlns:a16="http://schemas.microsoft.com/office/drawing/2014/main" id="{BEA2E90C-C07E-4041-BBA6-E68160C17CF4}"/>
+              </a:ext>
+            </a:extLst>
+          </p:cNvPr>
+          <p:cNvPicPr>
+            <a:picLocks noChangeAspect="1"/>
+          </p:cNvPicPr>
+          <p:nvPr/>
+        </p:nvPicPr>
+        <p:blipFill>
+          <a:blip r:embed="rId4"/>
+          <a:stretch>
+            <a:fillRect/>
+          </a:stretch>
+        </p:blipFill>
+        <p:spPr>
+          <a:xfrm>
+            <a:off x="3539181" y="1906245"/>
+            <a:ext cx="5513591" cy="2454088"/>
+          </a:xfrm>
+          <a:prstGeom prst="rect">
+            <a:avLst/>
+          </a:prstGeom>
+          <a:ln>
+            <a:solidFill>
+              <a:srgbClr val="404040"/>
+            </a:solidFill>
+          </a:ln>
+        </p:spPr>
+        <p:style>
+          <a:lnRef idx="2">
+            <a:schemeClr val="dk1"/>
+          </a:lnRef>
+          <a:fillRef idx="1">
+            <a:schemeClr val="lt1"/>
+          </a:fillRef>
+          <a:effectRef idx="0">
+            <a:schemeClr val="dk1"/>
+          </a:effectRef>
+          <a:fontRef idx="minor">
+            <a:schemeClr val="dk1"/>
+          </a:fontRef>
+        </p:style>
+      </p:pic>
     </p:spTree>
     <p:custDataLst>
       <p:tags r:id="rId1"/>

--- a/Lecture/Web Scraping 1/Web_Scraping_1_Lecture.pptx
+++ b/Lecture/Web Scraping 1/Web_Scraping_1_Lecture.pptx
@@ -3441,7 +3441,7 @@
               <a:pPr>
                 <a:defRPr/>
               </a:pPr>
-              <a:t>7/5/2019</a:t>
+              <a:t>9/25/2019</a:t>
             </a:fld>
             <a:endParaRPr lang="en-US" dirty="0"/>
           </a:p>
@@ -3653,7 +3653,7 @@
               <a:pPr>
                 <a:defRPr/>
               </a:pPr>
-              <a:t>7/5/2019</a:t>
+              <a:t>9/25/2019</a:t>
             </a:fld>
             <a:endParaRPr lang="en-US" dirty="0"/>
           </a:p>
@@ -4172,7 +4172,7 @@
               <a:pPr>
                 <a:defRPr/>
               </a:pPr>
-              <a:t>7/5/2019</a:t>
+              <a:t>9/25/2019</a:t>
             </a:fld>
             <a:endParaRPr lang="en-US" dirty="0"/>
           </a:p>
@@ -4362,7 +4362,7 @@
               <a:pPr>
                 <a:defRPr/>
               </a:pPr>
-              <a:t>7/5/2019</a:t>
+              <a:t>9/25/2019</a:t>
             </a:fld>
             <a:endParaRPr lang="en-US" dirty="0"/>
           </a:p>
@@ -4562,7 +4562,7 @@
               <a:pPr>
                 <a:defRPr/>
               </a:pPr>
-              <a:t>7/5/2019</a:t>
+              <a:t>9/25/2019</a:t>
             </a:fld>
             <a:endParaRPr lang="en-US" dirty="0"/>
           </a:p>
@@ -4830,7 +4830,7 @@
               <a:pPr>
                 <a:defRPr/>
               </a:pPr>
-              <a:t>7/5/2019</a:t>
+              <a:t>9/25/2019</a:t>
             </a:fld>
             <a:endParaRPr lang="en-US" dirty="0">
               <a:solidFill>
@@ -5044,7 +5044,7 @@
               <a:pPr>
                 <a:defRPr/>
               </a:pPr>
-              <a:t>7/5/2019</a:t>
+              <a:t>9/25/2019</a:t>
             </a:fld>
             <a:endParaRPr lang="en-US" dirty="0">
               <a:solidFill>
@@ -5335,7 +5335,7 @@
               <a:pPr>
                 <a:defRPr/>
               </a:pPr>
-              <a:t>7/5/2019</a:t>
+              <a:t>9/25/2019</a:t>
             </a:fld>
             <a:endParaRPr lang="en-US" dirty="0">
               <a:solidFill>
@@ -5666,7 +5666,7 @@
               <a:pPr>
                 <a:defRPr/>
               </a:pPr>
-              <a:t>7/5/2019</a:t>
+              <a:t>9/25/2019</a:t>
             </a:fld>
             <a:endParaRPr lang="en-US" dirty="0">
               <a:solidFill>
@@ -6131,7 +6131,7 @@
               <a:pPr>
                 <a:defRPr/>
               </a:pPr>
-              <a:t>7/5/2019</a:t>
+              <a:t>9/25/2019</a:t>
             </a:fld>
             <a:endParaRPr lang="en-US" dirty="0">
               <a:solidFill>
@@ -6294,7 +6294,7 @@
               <a:pPr>
                 <a:defRPr/>
               </a:pPr>
-              <a:t>7/5/2019</a:t>
+              <a:t>9/25/2019</a:t>
             </a:fld>
             <a:endParaRPr lang="en-US" dirty="0">
               <a:solidFill>
@@ -6435,7 +6435,7 @@
               <a:pPr>
                 <a:defRPr/>
               </a:pPr>
-              <a:t>7/5/2019</a:t>
+              <a:t>9/25/2019</a:t>
             </a:fld>
             <a:endParaRPr lang="en-US" dirty="0">
               <a:solidFill>
@@ -6756,7 +6756,7 @@
               <a:pPr>
                 <a:defRPr/>
               </a:pPr>
-              <a:t>7/5/2019</a:t>
+              <a:t>9/25/2019</a:t>
             </a:fld>
             <a:endParaRPr lang="en-US" dirty="0">
               <a:solidFill>
@@ -6964,7 +6964,7 @@
               <a:pPr>
                 <a:defRPr/>
               </a:pPr>
-              <a:t>7/5/2019</a:t>
+              <a:t>9/25/2019</a:t>
             </a:fld>
             <a:endParaRPr lang="en-US" dirty="0"/>
           </a:p>
@@ -7247,7 +7247,7 @@
               <a:pPr>
                 <a:defRPr/>
               </a:pPr>
-              <a:t>7/5/2019</a:t>
+              <a:t>9/25/2019</a:t>
             </a:fld>
             <a:endParaRPr lang="en-US" dirty="0">
               <a:solidFill>
@@ -7461,7 +7461,7 @@
               <a:pPr>
                 <a:defRPr/>
               </a:pPr>
-              <a:t>7/5/2019</a:t>
+              <a:t>9/25/2019</a:t>
             </a:fld>
             <a:endParaRPr lang="en-US" dirty="0">
               <a:solidFill>
@@ -7685,7 +7685,7 @@
               <a:pPr>
                 <a:defRPr/>
               </a:pPr>
-              <a:t>7/5/2019</a:t>
+              <a:t>9/25/2019</a:t>
             </a:fld>
             <a:endParaRPr lang="en-US" dirty="0">
               <a:solidFill>
@@ -7895,7 +7895,7 @@
               <a:pPr>
                 <a:defRPr/>
               </a:pPr>
-              <a:t>7/5/2019</a:t>
+              <a:t>9/25/2019</a:t>
             </a:fld>
             <a:endParaRPr lang="en-US" dirty="0">
               <a:solidFill>
@@ -8172,7 +8172,7 @@
               <a:pPr>
                 <a:defRPr/>
               </a:pPr>
-              <a:t>7/5/2019</a:t>
+              <a:t>9/25/2019</a:t>
             </a:fld>
             <a:endParaRPr lang="en-US" dirty="0"/>
           </a:p>
@@ -8479,7 +8479,7 @@
               <a:pPr>
                 <a:defRPr/>
               </a:pPr>
-              <a:t>7/5/2019</a:t>
+              <a:t>9/25/2019</a:t>
             </a:fld>
             <a:endParaRPr lang="en-US" dirty="0"/>
           </a:p>
@@ -8920,7 +8920,7 @@
               <a:pPr>
                 <a:defRPr/>
               </a:pPr>
-              <a:t>7/5/2019</a:t>
+              <a:t>9/25/2019</a:t>
             </a:fld>
             <a:endParaRPr lang="en-US" dirty="0"/>
           </a:p>
@@ -9059,7 +9059,7 @@
               <a:pPr>
                 <a:defRPr/>
               </a:pPr>
-              <a:t>7/5/2019</a:t>
+              <a:t>9/25/2019</a:t>
             </a:fld>
             <a:endParaRPr lang="en-US" dirty="0"/>
           </a:p>
@@ -9176,7 +9176,7 @@
               <a:pPr>
                 <a:defRPr/>
               </a:pPr>
-              <a:t>7/5/2019</a:t>
+              <a:t>9/25/2019</a:t>
             </a:fld>
             <a:endParaRPr lang="en-US" dirty="0"/>
           </a:p>
@@ -9473,7 +9473,7 @@
               <a:pPr>
                 <a:defRPr/>
               </a:pPr>
-              <a:t>7/5/2019</a:t>
+              <a:t>9/25/2019</a:t>
             </a:fld>
             <a:endParaRPr lang="en-US" dirty="0"/>
           </a:p>
@@ -9750,7 +9750,7 @@
               <a:pPr>
                 <a:defRPr/>
               </a:pPr>
-              <a:t>7/5/2019</a:t>
+              <a:t>9/25/2019</a:t>
             </a:fld>
             <a:endParaRPr lang="en-US" dirty="0"/>
           </a:p>
@@ -10007,7 +10007,7 @@
               <a:pPr>
                 <a:defRPr/>
               </a:pPr>
-              <a:t>7/5/2019</a:t>
+              <a:t>9/25/2019</a:t>
             </a:fld>
             <a:endParaRPr lang="en-US" dirty="0"/>
           </a:p>
@@ -10717,7 +10717,7 @@
               <a:pPr>
                 <a:defRPr/>
               </a:pPr>
-              <a:t>7/5/2019</a:t>
+              <a:t>9/25/2019</a:t>
             </a:fld>
             <a:endParaRPr lang="en-US" dirty="0">
               <a:solidFill>
@@ -18284,7 +18284,7 @@
                 <a:ea typeface="+mj-ea"/>
                 <a:cs typeface="+mj-cs"/>
               </a:rPr>
-              <a:t>Tutorial 7 </a:t>
+              <a:t>Tutorial </a:t>
             </a:r>
             <a:br>
               <a:rPr lang="en-US" sz="2400" kern="1200" dirty="0">
@@ -18378,7 +18378,7 @@
                   <a:srgbClr val="404040"/>
                 </a:solidFill>
               </a:rPr>
-              <a:t>Step 1: Open Tutorial 7</a:t>
+              <a:t>Step 1: Open Tutorial</a:t>
             </a:r>
           </a:p>
           <a:p>
